--- a/Lectures/Lec3/Lec3.pptx
+++ b/Lectures/Lec3/Lec3.pptx
@@ -270,7 +270,7 @@
           <a:p>
             <a:fld id="{15E7E210-172D-4ABE-8DAE-3CF56EC65FFE}" type="datetimeFigureOut">
               <a:rPr lang="en-US" smtClean="0"/>
-              <a:t>1/12/23</a:t>
+              <a:t>1/16/23</a:t>
             </a:fld>
             <a:endParaRPr lang="en-US"/>
           </a:p>
@@ -435,7 +435,7 @@
           <a:p>
             <a:fld id="{385B10A9-A767-4042-A06F-67B5283D520D}" type="datetimeFigureOut">
               <a:rPr lang="en-US" smtClean="0"/>
-              <a:t>1/12/23</a:t>
+              <a:t>1/16/23</a:t>
             </a:fld>
             <a:endParaRPr lang="en-US"/>
           </a:p>
@@ -1016,7 +1016,7 @@
             </a:pPr>
             <a:fld id="{A7A78B73-D440-4B82-9E3B-BAF17BD79BE4}" type="datetime1">
               <a:rPr lang="en-US" smtClean="0"/>
-              <a:t>1/12/23</a:t>
+              <a:t>1/16/23</a:t>
             </a:fld>
             <a:endParaRPr lang="en-US"/>
           </a:p>
@@ -1342,7 +1342,7 @@
             </a:pPr>
             <a:fld id="{A79DEEAB-A47E-45BA-A099-3882E6BDB966}" type="datetime1">
               <a:rPr lang="en-US" smtClean="0"/>
-              <a:t>1/12/23</a:t>
+              <a:t>1/16/23</a:t>
             </a:fld>
             <a:endParaRPr lang="en-US"/>
           </a:p>
@@ -1677,7 +1677,7 @@
             </a:pPr>
             <a:fld id="{3C36871A-CCA1-40F1-A326-C7B2951853D1}" type="datetime1">
               <a:rPr lang="en-US" smtClean="0"/>
-              <a:t>1/12/23</a:t>
+              <a:t>1/16/23</a:t>
             </a:fld>
             <a:endParaRPr lang="en-US"/>
           </a:p>
@@ -2142,7 +2142,7 @@
             </a:pPr>
             <a:fld id="{A32F2BC3-CC00-4DDD-B344-4F182799B4ED}" type="datetime1">
               <a:rPr lang="en-US" smtClean="0"/>
-              <a:t>1/12/23</a:t>
+              <a:t>1/16/23</a:t>
             </a:fld>
             <a:endParaRPr lang="en-US"/>
           </a:p>
@@ -2477,7 +2477,7 @@
             </a:pPr>
             <a:fld id="{7DFB47D3-8159-40CD-8213-97425B8B0CB4}" type="datetime1">
               <a:rPr lang="en-US" smtClean="0"/>
-              <a:t>1/12/23</a:t>
+              <a:t>1/16/23</a:t>
             </a:fld>
             <a:endParaRPr lang="en-US"/>
           </a:p>
@@ -2653,7 +2653,7 @@
             </a:pPr>
             <a:fld id="{EF6035DD-4E03-47F0-8D09-581FC637A1BF}" type="datetime1">
               <a:rPr lang="en-US" smtClean="0"/>
-              <a:t>1/12/23</a:t>
+              <a:t>1/16/23</a:t>
             </a:fld>
             <a:endParaRPr lang="en-US" dirty="0"/>
           </a:p>
@@ -3279,7 +3279,7 @@
           <a:noFill/>
           <a:extLst>
             <a:ext uri="{909E8E84-426E-40dd-AFC4-6F175D3DCCD1}">
-              <a14:hiddenFill xmlns:a14="http://schemas.microsoft.com/office/drawing/2010/main" xmlns="">
+              <a14:hiddenFill xmlns="" xmlns:a14="http://schemas.microsoft.com/office/drawing/2010/main">
                 <a:solidFill>
                   <a:srgbClr val="FFFFFF"/>
                 </a:solidFill>
@@ -3320,7 +3320,7 @@
           <a:noFill/>
           <a:extLst>
             <a:ext uri="{909E8E84-426E-40dd-AFC4-6F175D3DCCD1}">
-              <a14:hiddenFill xmlns:a14="http://schemas.microsoft.com/office/drawing/2010/main" xmlns="">
+              <a14:hiddenFill xmlns="" xmlns:a14="http://schemas.microsoft.com/office/drawing/2010/main">
                 <a:solidFill>
                   <a:srgbClr val="FFFFFF"/>
                 </a:solidFill>
@@ -7670,7 +7670,7 @@
         </p:nvSpPr>
         <p:spPr>
           <a:xfrm>
-            <a:off x="248528" y="0"/>
+            <a:off x="248528" y="11875"/>
             <a:ext cx="7784124" cy="990600"/>
           </a:xfrm>
           <a:prstGeom prst="rect">
@@ -8899,7 +8899,7 @@
         </p:blipFill>
         <p:spPr>
           <a:xfrm>
-            <a:off x="1183900" y="2742578"/>
+            <a:off x="1183900" y="2754453"/>
             <a:ext cx="5950634" cy="686422"/>
           </a:xfrm>
           <a:prstGeom prst="rect">
